--- a/images/tutorial_images.pptx
+++ b/images/tutorial_images.pptx
@@ -10,6 +10,7 @@
     <p:sldId id="258" r:id="rId4"/>
     <p:sldId id="261" r:id="rId5"/>
     <p:sldId id="259" r:id="rId6"/>
+    <p:sldId id="262" r:id="rId7"/>
   </p:sldIdLst>
   <p:sldSz cx="9144000" cy="6858000" type="screen4x3"/>
   <p:notesSz cx="6858000" cy="9144000"/>
@@ -3571,6 +3572,13 @@
   <p:clrMapOvr>
     <a:masterClrMapping/>
   </p:clrMapOvr>
+  <p:timing>
+    <p:tnLst>
+      <p:par>
+        <p:cTn xmlns:p14="http://schemas.microsoft.com/office/powerpoint/2010/main" id="1" dur="indefinite" restart="never" nodeType="tmRoot"/>
+      </p:par>
+    </p:tnLst>
+  </p:timing>
 </p:sld>
 </file>
 
@@ -3723,10 +3731,221 @@
           </a:p>
         </p:txBody>
       </p:sp>
+      <p:sp>
+        <p:nvSpPr>
+          <p:cNvPr id="9" name="Rounded Rectangular Callout 8"/>
+          <p:cNvSpPr/>
+          <p:nvPr/>
+        </p:nvSpPr>
+        <p:spPr>
+          <a:xfrm>
+            <a:off x="2070730" y="2665044"/>
+            <a:ext cx="2843803" cy="924984"/>
+          </a:xfrm>
+          <a:prstGeom prst="wedgeRoundRectCallout">
+            <a:avLst>
+              <a:gd name="adj1" fmla="val -61610"/>
+              <a:gd name="adj2" fmla="val -56903"/>
+              <a:gd name="adj3" fmla="val 16667"/>
+            </a:avLst>
+          </a:prstGeom>
+        </p:spPr>
+        <p:style>
+          <a:lnRef idx="2">
+            <a:schemeClr val="dk1"/>
+          </a:lnRef>
+          <a:fillRef idx="1">
+            <a:schemeClr val="lt1"/>
+          </a:fillRef>
+          <a:effectRef idx="0">
+            <a:schemeClr val="dk1"/>
+          </a:effectRef>
+          <a:fontRef idx="minor">
+            <a:schemeClr val="dk1"/>
+          </a:fontRef>
+        </p:style>
+        <p:txBody>
+          <a:bodyPr rtlCol="0" anchor="ctr"/>
+          <a:lstStyle/>
+          <a:p>
+            <a:pPr algn="ctr"/>
+            <a:endParaRPr lang="en-US"/>
+          </a:p>
+        </p:txBody>
+      </p:sp>
+      <p:sp>
+        <p:nvSpPr>
+          <p:cNvPr id="10" name="TextBox 9"/>
+          <p:cNvSpPr txBox="1"/>
+          <p:nvPr/>
+        </p:nvSpPr>
+        <p:spPr>
+          <a:xfrm>
+            <a:off x="2263998" y="2913547"/>
+            <a:ext cx="2429657" cy="369332"/>
+          </a:xfrm>
+          <a:prstGeom prst="rect">
+            <a:avLst/>
+          </a:prstGeom>
+          <a:noFill/>
+        </p:spPr>
+        <p:txBody>
+          <a:bodyPr wrap="square" rtlCol="0">
+            <a:spAutoFit/>
+          </a:bodyPr>
+          <a:lstStyle/>
+          <a:p>
+            <a:r>
+              <a:rPr lang="en-US" dirty="0" smtClean="0"/>
+              <a:t>Enter your title here</a:t>
+            </a:r>
+            <a:endParaRPr lang="en-US" dirty="0"/>
+          </a:p>
+        </p:txBody>
+      </p:sp>
     </p:spTree>
     <p:extLst>
       <p:ext uri="{BB962C8B-B14F-4D97-AF65-F5344CB8AC3E}">
         <p14:creationId xmlns:p14="http://schemas.microsoft.com/office/powerpoint/2010/main" val="297775267"/>
+      </p:ext>
+    </p:extLst>
+  </p:cSld>
+  <p:clrMapOvr>
+    <a:masterClrMapping/>
+  </p:clrMapOvr>
+  <p:timing>
+    <p:tnLst>
+      <p:par>
+        <p:cTn xmlns:p14="http://schemas.microsoft.com/office/powerpoint/2010/main" id="1" dur="indefinite" restart="never" nodeType="tmRoot"/>
+      </p:par>
+    </p:tnLst>
+  </p:timing>
+</p:sld>
+</file>
+
+<file path=ppt/slides/slide6.xml><?xml version="1.0" encoding="utf-8"?>
+<p:sld xmlns:a="http://schemas.openxmlformats.org/drawingml/2006/main" xmlns:r="http://schemas.openxmlformats.org/officeDocument/2006/relationships" xmlns:p="http://schemas.openxmlformats.org/presentationml/2006/main">
+  <p:cSld>
+    <p:spTree>
+      <p:nvGrpSpPr>
+        <p:cNvPr id="1" name=""/>
+        <p:cNvGrpSpPr/>
+        <p:nvPr/>
+      </p:nvGrpSpPr>
+      <p:grpSpPr>
+        <a:xfrm>
+          <a:off x="0" y="0"/>
+          <a:ext cx="0" cy="0"/>
+          <a:chOff x="0" y="0"/>
+          <a:chExt cx="0" cy="0"/>
+        </a:xfrm>
+      </p:grpSpPr>
+      <p:pic>
+        <p:nvPicPr>
+          <p:cNvPr id="5" name="Picture 4" descr="Screen Shot 2013-02-01 at 5.21.34 PM.png"/>
+          <p:cNvPicPr>
+            <a:picLocks noChangeAspect="1"/>
+          </p:cNvPicPr>
+          <p:nvPr/>
+        </p:nvPicPr>
+        <p:blipFill>
+          <a:blip r:embed="rId2">
+            <a:extLst>
+              <a:ext uri="{28A0092B-C50C-407E-A947-70E740481C1C}">
+                <a14:useLocalDpi xmlns:a14="http://schemas.microsoft.com/office/drawing/2010/main" val="0"/>
+              </a:ext>
+            </a:extLst>
+          </a:blip>
+          <a:stretch>
+            <a:fillRect/>
+          </a:stretch>
+        </p:blipFill>
+        <p:spPr>
+          <a:xfrm>
+            <a:off x="0" y="228600"/>
+            <a:ext cx="9144000" cy="6380196"/>
+          </a:xfrm>
+          <a:prstGeom prst="rect">
+            <a:avLst/>
+          </a:prstGeom>
+        </p:spPr>
+      </p:pic>
+      <p:sp>
+        <p:nvSpPr>
+          <p:cNvPr id="6" name="Rounded Rectangular Callout 5"/>
+          <p:cNvSpPr/>
+          <p:nvPr/>
+        </p:nvSpPr>
+        <p:spPr>
+          <a:xfrm>
+            <a:off x="5121606" y="4569700"/>
+            <a:ext cx="2181170" cy="855956"/>
+          </a:xfrm>
+          <a:prstGeom prst="wedgeRoundRectCallout">
+            <a:avLst>
+              <a:gd name="adj1" fmla="val 16380"/>
+              <a:gd name="adj2" fmla="val -76976"/>
+              <a:gd name="adj3" fmla="val 16667"/>
+            </a:avLst>
+          </a:prstGeom>
+        </p:spPr>
+        <p:style>
+          <a:lnRef idx="2">
+            <a:schemeClr val="dk1"/>
+          </a:lnRef>
+          <a:fillRef idx="1">
+            <a:schemeClr val="lt1"/>
+          </a:fillRef>
+          <a:effectRef idx="0">
+            <a:schemeClr val="dk1"/>
+          </a:effectRef>
+          <a:fontRef idx="minor">
+            <a:schemeClr val="dk1"/>
+          </a:fontRef>
+        </p:style>
+        <p:txBody>
+          <a:bodyPr rtlCol="0" anchor="ctr"/>
+          <a:lstStyle/>
+          <a:p>
+            <a:pPr algn="ctr"/>
+            <a:endParaRPr lang="en-US"/>
+          </a:p>
+        </p:txBody>
+      </p:sp>
+      <p:sp>
+        <p:nvSpPr>
+          <p:cNvPr id="7" name="TextBox 6"/>
+          <p:cNvSpPr txBox="1"/>
+          <p:nvPr/>
+        </p:nvSpPr>
+        <p:spPr>
+          <a:xfrm>
+            <a:off x="5328680" y="4749172"/>
+            <a:ext cx="1804350" cy="523220"/>
+          </a:xfrm>
+          <a:prstGeom prst="rect">
+            <a:avLst/>
+          </a:prstGeom>
+          <a:noFill/>
+        </p:spPr>
+        <p:txBody>
+          <a:bodyPr wrap="none" rtlCol="0">
+            <a:spAutoFit/>
+          </a:bodyPr>
+          <a:lstStyle/>
+          <a:p>
+            <a:r>
+              <a:rPr lang="en-US" sz="2800" dirty="0" smtClean="0"/>
+              <a:t>Click “Edit”</a:t>
+            </a:r>
+            <a:endParaRPr lang="en-US" sz="2800" dirty="0"/>
+          </a:p>
+        </p:txBody>
+      </p:sp>
+    </p:spTree>
+    <p:extLst>
+      <p:ext uri="{BB962C8B-B14F-4D97-AF65-F5344CB8AC3E}">
+        <p14:creationId xmlns:p14="http://schemas.microsoft.com/office/powerpoint/2010/main" val="2423560390"/>
       </p:ext>
     </p:extLst>
   </p:cSld>

--- a/images/tutorial_images.pptx
+++ b/images/tutorial_images.pptx
@@ -11,6 +11,7 @@
     <p:sldId id="261" r:id="rId5"/>
     <p:sldId id="259" r:id="rId6"/>
     <p:sldId id="262" r:id="rId7"/>
+    <p:sldId id="263" r:id="rId8"/>
   </p:sldIdLst>
   <p:sldSz cx="9144000" cy="6858000" type="screen4x3"/>
   <p:notesSz cx="6858000" cy="9144000"/>
@@ -3959,6 +3960,138 @@
       </p:par>
     </p:tnLst>
   </p:timing>
+</p:sld>
+</file>
+
+<file path=ppt/slides/slide7.xml><?xml version="1.0" encoding="utf-8"?>
+<p:sld xmlns:a="http://schemas.openxmlformats.org/drawingml/2006/main" xmlns:r="http://schemas.openxmlformats.org/officeDocument/2006/relationships" xmlns:p="http://schemas.openxmlformats.org/presentationml/2006/main">
+  <p:cSld>
+    <p:spTree>
+      <p:nvGrpSpPr>
+        <p:cNvPr id="1" name=""/>
+        <p:cNvGrpSpPr/>
+        <p:nvPr/>
+      </p:nvGrpSpPr>
+      <p:grpSpPr>
+        <a:xfrm>
+          <a:off x="0" y="0"/>
+          <a:ext cx="0" cy="0"/>
+          <a:chOff x="0" y="0"/>
+          <a:chExt cx="0" cy="0"/>
+        </a:xfrm>
+      </p:grpSpPr>
+      <p:pic>
+        <p:nvPicPr>
+          <p:cNvPr id="5" name="Picture 4" descr="Screen Shot 2013-02-01 at 7.28.13 PM.png"/>
+          <p:cNvPicPr>
+            <a:picLocks noChangeAspect="1"/>
+          </p:cNvPicPr>
+          <p:nvPr/>
+        </p:nvPicPr>
+        <p:blipFill>
+          <a:blip r:embed="rId2">
+            <a:extLst>
+              <a:ext uri="{28A0092B-C50C-407E-A947-70E740481C1C}">
+                <a14:useLocalDpi xmlns:a14="http://schemas.microsoft.com/office/drawing/2010/main" val="0"/>
+              </a:ext>
+            </a:extLst>
+          </a:blip>
+          <a:stretch>
+            <a:fillRect/>
+          </a:stretch>
+        </p:blipFill>
+        <p:spPr>
+          <a:xfrm>
+            <a:off x="0" y="228600"/>
+            <a:ext cx="9144000" cy="6380196"/>
+          </a:xfrm>
+          <a:prstGeom prst="rect">
+            <a:avLst/>
+          </a:prstGeom>
+        </p:spPr>
+      </p:pic>
+      <p:sp>
+        <p:nvSpPr>
+          <p:cNvPr id="6" name="Rounded Rectangular Callout 5"/>
+          <p:cNvSpPr/>
+          <p:nvPr/>
+        </p:nvSpPr>
+        <p:spPr>
+          <a:xfrm>
+            <a:off x="2981851" y="2512644"/>
+            <a:ext cx="2719560" cy="1725717"/>
+          </a:xfrm>
+          <a:prstGeom prst="wedgeRoundRectCallout">
+            <a:avLst>
+              <a:gd name="adj1" fmla="val 21806"/>
+              <a:gd name="adj2" fmla="val -84700"/>
+              <a:gd name="adj3" fmla="val 16667"/>
+            </a:avLst>
+          </a:prstGeom>
+        </p:spPr>
+        <p:style>
+          <a:lnRef idx="2">
+            <a:schemeClr val="dk1"/>
+          </a:lnRef>
+          <a:fillRef idx="1">
+            <a:schemeClr val="lt1"/>
+          </a:fillRef>
+          <a:effectRef idx="0">
+            <a:schemeClr val="dk1"/>
+          </a:effectRef>
+          <a:fontRef idx="minor">
+            <a:schemeClr val="dk1"/>
+          </a:fontRef>
+        </p:style>
+        <p:txBody>
+          <a:bodyPr rtlCol="0" anchor="ctr"/>
+          <a:lstStyle/>
+          <a:p>
+            <a:pPr algn="ctr"/>
+            <a:endParaRPr lang="en-US"/>
+          </a:p>
+        </p:txBody>
+      </p:sp>
+      <p:sp>
+        <p:nvSpPr>
+          <p:cNvPr id="7" name="TextBox 6"/>
+          <p:cNvSpPr txBox="1"/>
+          <p:nvPr/>
+        </p:nvSpPr>
+        <p:spPr>
+          <a:xfrm>
+            <a:off x="3078484" y="2595478"/>
+            <a:ext cx="2705755" cy="1569660"/>
+          </a:xfrm>
+          <a:prstGeom prst="rect">
+            <a:avLst/>
+          </a:prstGeom>
+          <a:noFill/>
+        </p:spPr>
+        <p:txBody>
+          <a:bodyPr wrap="square" rtlCol="0">
+            <a:spAutoFit/>
+          </a:bodyPr>
+          <a:lstStyle/>
+          <a:p>
+            <a:r>
+              <a:rPr lang="en-US" sz="2400" dirty="0" smtClean="0"/>
+              <a:t>Submit a pull request when your contribution is complete</a:t>
+            </a:r>
+            <a:endParaRPr lang="en-US" sz="2400" dirty="0"/>
+          </a:p>
+        </p:txBody>
+      </p:sp>
+    </p:spTree>
+    <p:extLst>
+      <p:ext uri="{BB962C8B-B14F-4D97-AF65-F5344CB8AC3E}">
+        <p14:creationId xmlns:p14="http://schemas.microsoft.com/office/powerpoint/2010/main" val="2389197430"/>
+      </p:ext>
+    </p:extLst>
+  </p:cSld>
+  <p:clrMapOvr>
+    <a:masterClrMapping/>
+  </p:clrMapOvr>
 </p:sld>
 </file>
 

--- a/images/tutorial_images.pptx
+++ b/images/tutorial_images.pptx
@@ -8,10 +8,9 @@
     <p:sldId id="256" r:id="rId2"/>
     <p:sldId id="260" r:id="rId3"/>
     <p:sldId id="258" r:id="rId4"/>
-    <p:sldId id="261" r:id="rId5"/>
-    <p:sldId id="259" r:id="rId6"/>
-    <p:sldId id="262" r:id="rId7"/>
-    <p:sldId id="263" r:id="rId8"/>
+    <p:sldId id="259" r:id="rId5"/>
+    <p:sldId id="262" r:id="rId6"/>
+    <p:sldId id="263" r:id="rId7"/>
   </p:sldIdLst>
   <p:sldSz cx="9144000" cy="6858000" type="screen4x3"/>
   <p:notesSz cx="6858000" cy="9144000"/>
@@ -3178,7 +3177,7 @@
       </p:grpSpPr>
       <p:pic>
         <p:nvPicPr>
-          <p:cNvPr id="4" name="Picture 3" descr="Screen Shot 2013-02-01 at 4.30.45 PM.png"/>
+          <p:cNvPr id="7" name="Picture 6" descr="Screen Shot 2013-02-06 at 10.54.23 AM.png"/>
           <p:cNvPicPr>
             <a:picLocks noChangeAspect="1"/>
           </p:cNvPicPr>
@@ -3198,8 +3197,8 @@
         </p:blipFill>
         <p:spPr>
           <a:xfrm>
-            <a:off x="0" y="342900"/>
-            <a:ext cx="9144000" cy="6165624"/>
+            <a:off x="0" y="228600"/>
+            <a:ext cx="9144000" cy="6380196"/>
           </a:xfrm>
           <a:prstGeom prst="rect">
             <a:avLst/>
@@ -3219,8 +3218,8 @@
           </a:xfrm>
           <a:prstGeom prst="wedgeRoundRectCallout">
             <a:avLst>
-              <a:gd name="adj1" fmla="val 76034"/>
-              <a:gd name="adj2" fmla="val -67359"/>
+              <a:gd name="adj1" fmla="val 61601"/>
+              <a:gd name="adj2" fmla="val -105359"/>
               <a:gd name="adj3" fmla="val 16667"/>
             </a:avLst>
           </a:prstGeom>
@@ -3317,7 +3316,7 @@
       </p:grpSpPr>
       <p:pic>
         <p:nvPicPr>
-          <p:cNvPr id="4" name="Picture 3" descr="Screen Shot 2013-02-01 at 3.50.24 PM.png"/>
+          <p:cNvPr id="7" name="Picture 6" descr="Screen Shot 2013-02-06 at 10.51.58 AM.png"/>
           <p:cNvPicPr>
             <a:picLocks noChangeAspect="1"/>
           </p:cNvPicPr>
@@ -3337,8 +3336,8 @@
         </p:blipFill>
         <p:spPr>
           <a:xfrm>
-            <a:off x="828292" y="2145784"/>
-            <a:ext cx="7749708" cy="3103033"/>
+            <a:off x="0" y="228600"/>
+            <a:ext cx="9144000" cy="6380196"/>
           </a:xfrm>
           <a:prstGeom prst="rect">
             <a:avLst/>
@@ -3354,12 +3353,12 @@
         <p:spPr>
           <a:xfrm>
             <a:off x="4955947" y="2402198"/>
-            <a:ext cx="3837754" cy="883567"/>
+            <a:ext cx="2567707" cy="1159682"/>
           </a:xfrm>
           <a:prstGeom prst="wedgeRoundRectCallout">
             <a:avLst>
-              <a:gd name="adj1" fmla="val -39729"/>
-              <a:gd name="adj2" fmla="val 108553"/>
+              <a:gd name="adj1" fmla="val -71535"/>
+              <a:gd name="adj2" fmla="val 57214"/>
               <a:gd name="adj3" fmla="val 16667"/>
             </a:avLst>
           </a:prstGeom>
@@ -3403,7 +3402,7 @@
         <p:spPr>
           <a:xfrm>
             <a:off x="5080191" y="2467108"/>
-            <a:ext cx="3713509" cy="707886"/>
+            <a:ext cx="2760975" cy="954107"/>
           </a:xfrm>
           <a:prstGeom prst="rect">
             <a:avLst/>
@@ -3417,10 +3416,10 @@
           <a:lstStyle/>
           <a:p>
             <a:r>
-              <a:rPr lang="en-US" sz="2000" dirty="0" smtClean="0"/>
-              <a:t>Click the “+” to add a new file to the “contributions” directory.</a:t>
-            </a:r>
-            <a:endParaRPr lang="en-US" sz="2000" dirty="0"/>
+              <a:rPr lang="en-US" sz="2800" dirty="0" smtClean="0"/>
+              <a:t>Click the “+” to add a new file.</a:t>
+            </a:r>
+            <a:endParaRPr lang="en-US" sz="2800" dirty="0"/>
           </a:p>
         </p:txBody>
       </p:sp>
@@ -3463,7 +3462,7 @@
       </p:grpSpPr>
       <p:pic>
         <p:nvPicPr>
-          <p:cNvPr id="4" name="Picture 3" descr="Screen Shot 2013-02-01 at 4.55.06 PM.png"/>
+          <p:cNvPr id="13" name="Picture 12" descr="Screen Shot 2013-02-06 at 11.01.18 AM.png"/>
           <p:cNvPicPr>
             <a:picLocks noChangeAspect="1"/>
           </p:cNvPicPr>
@@ -3483,8 +3482,8 @@
         </p:blipFill>
         <p:spPr>
           <a:xfrm>
-            <a:off x="0" y="317500"/>
-            <a:ext cx="9144000" cy="6210384"/>
+            <a:off x="0" y="228600"/>
+            <a:ext cx="9144000" cy="6380196"/>
           </a:xfrm>
           <a:prstGeom prst="rect">
             <a:avLst/>
@@ -3499,13 +3498,13 @@
         </p:nvSpPr>
         <p:spPr>
           <a:xfrm>
-            <a:off x="2774779" y="2595446"/>
-            <a:ext cx="3589266" cy="897373"/>
+            <a:off x="5356289" y="1601490"/>
+            <a:ext cx="2843803" cy="924984"/>
           </a:xfrm>
           <a:prstGeom prst="wedgeRoundRectCallout">
             <a:avLst>
-              <a:gd name="adj1" fmla="val -69266"/>
-              <a:gd name="adj2" fmla="val -15962"/>
+              <a:gd name="adj1" fmla="val -49959"/>
+              <a:gd name="adj2" fmla="val 93844"/>
               <a:gd name="adj3" fmla="val 16667"/>
             </a:avLst>
           </a:prstGeom>
@@ -3529,7 +3528,7 @@
           <a:lstStyle/>
           <a:p>
             <a:pPr algn="ctr"/>
-            <a:endParaRPr lang="en-US" dirty="0"/>
+            <a:endParaRPr lang="en-US"/>
           </a:p>
         </p:txBody>
       </p:sp>
@@ -3541,8 +3540,8 @@
         </p:nvSpPr>
         <p:spPr>
           <a:xfrm>
-            <a:off x="2885218" y="2636827"/>
-            <a:ext cx="3478827" cy="830997"/>
+            <a:off x="5549557" y="1849993"/>
+            <a:ext cx="2429657" cy="369332"/>
           </a:xfrm>
           <a:prstGeom prst="rect">
             <a:avLst/>
@@ -3556,17 +3555,161 @@
           <a:lstStyle/>
           <a:p>
             <a:r>
-              <a:rPr lang="en-US" sz="2400" dirty="0" smtClean="0"/>
-              <a:t>Click the  “contributions” directory</a:t>
-            </a:r>
-            <a:endParaRPr lang="en-US" sz="2400" dirty="0"/>
+              <a:rPr lang="en-US" dirty="0" smtClean="0"/>
+              <a:t>Put your file name here</a:t>
+            </a:r>
+            <a:endParaRPr lang="en-US" dirty="0"/>
+          </a:p>
+        </p:txBody>
+      </p:sp>
+      <p:sp>
+        <p:nvSpPr>
+          <p:cNvPr id="9" name="Rounded Rectangular Callout 8"/>
+          <p:cNvSpPr/>
+          <p:nvPr/>
+        </p:nvSpPr>
+        <p:spPr>
+          <a:xfrm>
+            <a:off x="2070730" y="3935196"/>
+            <a:ext cx="2843803" cy="924984"/>
+          </a:xfrm>
+          <a:prstGeom prst="wedgeRoundRectCallout">
+            <a:avLst>
+              <a:gd name="adj1" fmla="val -61610"/>
+              <a:gd name="adj2" fmla="val -56903"/>
+              <a:gd name="adj3" fmla="val 16667"/>
+            </a:avLst>
+          </a:prstGeom>
+        </p:spPr>
+        <p:style>
+          <a:lnRef idx="2">
+            <a:schemeClr val="dk1"/>
+          </a:lnRef>
+          <a:fillRef idx="1">
+            <a:schemeClr val="lt1"/>
+          </a:fillRef>
+          <a:effectRef idx="0">
+            <a:schemeClr val="dk1"/>
+          </a:effectRef>
+          <a:fontRef idx="minor">
+            <a:schemeClr val="dk1"/>
+          </a:fontRef>
+        </p:style>
+        <p:txBody>
+          <a:bodyPr rtlCol="0" anchor="ctr"/>
+          <a:lstStyle/>
+          <a:p>
+            <a:pPr algn="ctr"/>
+            <a:endParaRPr lang="en-US"/>
+          </a:p>
+        </p:txBody>
+      </p:sp>
+      <p:sp>
+        <p:nvSpPr>
+          <p:cNvPr id="10" name="TextBox 9"/>
+          <p:cNvSpPr txBox="1"/>
+          <p:nvPr/>
+        </p:nvSpPr>
+        <p:spPr>
+          <a:xfrm>
+            <a:off x="2263998" y="4183699"/>
+            <a:ext cx="2429657" cy="369332"/>
+          </a:xfrm>
+          <a:prstGeom prst="rect">
+            <a:avLst/>
+          </a:prstGeom>
+          <a:noFill/>
+        </p:spPr>
+        <p:txBody>
+          <a:bodyPr wrap="square" rtlCol="0">
+            <a:spAutoFit/>
+          </a:bodyPr>
+          <a:lstStyle/>
+          <a:p>
+            <a:r>
+              <a:rPr lang="en-US" dirty="0" smtClean="0"/>
+              <a:t>Enter your title here</a:t>
+            </a:r>
+            <a:endParaRPr lang="en-US" dirty="0"/>
+          </a:p>
+        </p:txBody>
+      </p:sp>
+      <p:sp>
+        <p:nvSpPr>
+          <p:cNvPr id="11" name="Rounded Rectangular Callout 10"/>
+          <p:cNvSpPr/>
+          <p:nvPr/>
+        </p:nvSpPr>
+        <p:spPr>
+          <a:xfrm>
+            <a:off x="5549557" y="3977687"/>
+            <a:ext cx="2843803" cy="924984"/>
+          </a:xfrm>
+          <a:prstGeom prst="wedgeRoundRectCallout">
+            <a:avLst>
+              <a:gd name="adj1" fmla="val 20915"/>
+              <a:gd name="adj2" fmla="val -86753"/>
+              <a:gd name="adj3" fmla="val 16667"/>
+            </a:avLst>
+          </a:prstGeom>
+        </p:spPr>
+        <p:style>
+          <a:lnRef idx="2">
+            <a:schemeClr val="dk1"/>
+          </a:lnRef>
+          <a:fillRef idx="1">
+            <a:schemeClr val="lt1"/>
+          </a:fillRef>
+          <a:effectRef idx="0">
+            <a:schemeClr val="dk1"/>
+          </a:effectRef>
+          <a:fontRef idx="minor">
+            <a:schemeClr val="dk1"/>
+          </a:fontRef>
+        </p:style>
+        <p:txBody>
+          <a:bodyPr rtlCol="0" anchor="ctr"/>
+          <a:lstStyle/>
+          <a:p>
+            <a:pPr algn="ctr"/>
+            <a:endParaRPr lang="en-US"/>
+          </a:p>
+        </p:txBody>
+      </p:sp>
+      <p:sp>
+        <p:nvSpPr>
+          <p:cNvPr id="12" name="TextBox 11"/>
+          <p:cNvSpPr txBox="1"/>
+          <p:nvPr/>
+        </p:nvSpPr>
+        <p:spPr>
+          <a:xfrm>
+            <a:off x="5742825" y="4129548"/>
+            <a:ext cx="2429657" cy="646331"/>
+          </a:xfrm>
+          <a:prstGeom prst="rect">
+            <a:avLst/>
+          </a:prstGeom>
+          <a:noFill/>
+        </p:spPr>
+        <p:txBody>
+          <a:bodyPr wrap="square" rtlCol="0">
+            <a:spAutoFit/>
+          </a:bodyPr>
+          <a:lstStyle/>
+          <a:p>
+            <a:r>
+              <a:rPr lang="en-US" dirty="0" smtClean="0"/>
+              <a:t>Change the wrap mode to “Soft Wrap”</a:t>
+            </a:r>
+            <a:endParaRPr lang="en-US" dirty="0"/>
           </a:p>
         </p:txBody>
       </p:sp>
     </p:spTree>
     <p:extLst>
       <p:ext uri="{BB962C8B-B14F-4D97-AF65-F5344CB8AC3E}">
-        <p14:creationId xmlns:p14="http://schemas.microsoft.com/office/powerpoint/2010/main" val="2113568196"/>
+        <p14:creationId xmlns:p14="http://schemas.microsoft.com/office/powerpoint/2010/main" val="297775267"/>
       </p:ext>
     </p:extLst>
   </p:cSld>
@@ -3602,7 +3745,7 @@
       </p:grpSpPr>
       <p:pic>
         <p:nvPicPr>
-          <p:cNvPr id="4" name="Picture 3" descr="Screen Shot 2013-02-01 at 4.17.54 PM.png"/>
+          <p:cNvPr id="8" name="Picture 7" descr="Screen Shot 2013-02-06 at 11.39.28 AM.png"/>
           <p:cNvPicPr>
             <a:picLocks noChangeAspect="1"/>
           </p:cNvPicPr>
@@ -3622,8 +3765,8 @@
         </p:blipFill>
         <p:spPr>
           <a:xfrm>
-            <a:off x="1035365" y="874830"/>
-            <a:ext cx="6791995" cy="5444746"/>
+            <a:off x="114300" y="0"/>
+            <a:ext cx="8908713" cy="6858000"/>
           </a:xfrm>
           <a:prstGeom prst="rect">
             <a:avLst/>
@@ -3632,254 +3775,13 @@
       </p:pic>
       <p:sp>
         <p:nvSpPr>
-          <p:cNvPr id="5" name="Rounded Rectangular Callout 4"/>
-          <p:cNvSpPr/>
-          <p:nvPr/>
-        </p:nvSpPr>
-        <p:spPr>
-          <a:xfrm>
-            <a:off x="5356289" y="331338"/>
-            <a:ext cx="2843803" cy="924984"/>
-          </a:xfrm>
-          <a:prstGeom prst="wedgeRoundRectCallout">
-            <a:avLst>
-              <a:gd name="adj1" fmla="val -37338"/>
-              <a:gd name="adj2" fmla="val 86381"/>
-              <a:gd name="adj3" fmla="val 16667"/>
-            </a:avLst>
-          </a:prstGeom>
-        </p:spPr>
-        <p:style>
-          <a:lnRef idx="2">
-            <a:schemeClr val="dk1"/>
-          </a:lnRef>
-          <a:fillRef idx="1">
-            <a:schemeClr val="lt1"/>
-          </a:fillRef>
-          <a:effectRef idx="0">
-            <a:schemeClr val="dk1"/>
-          </a:effectRef>
-          <a:fontRef idx="minor">
-            <a:schemeClr val="dk1"/>
-          </a:fontRef>
-        </p:style>
-        <p:txBody>
-          <a:bodyPr rtlCol="0" anchor="ctr"/>
-          <a:lstStyle/>
-          <a:p>
-            <a:pPr algn="ctr"/>
-            <a:endParaRPr lang="en-US"/>
-          </a:p>
-        </p:txBody>
-      </p:sp>
-      <p:sp>
-        <p:nvSpPr>
-          <p:cNvPr id="6" name="TextBox 5"/>
-          <p:cNvSpPr txBox="1"/>
-          <p:nvPr/>
-        </p:nvSpPr>
-        <p:spPr>
-          <a:xfrm>
-            <a:off x="5549557" y="579841"/>
-            <a:ext cx="2429657" cy="369332"/>
-          </a:xfrm>
-          <a:prstGeom prst="rect">
-            <a:avLst/>
-          </a:prstGeom>
-          <a:noFill/>
-        </p:spPr>
-        <p:txBody>
-          <a:bodyPr wrap="square" rtlCol="0">
-            <a:spAutoFit/>
-          </a:bodyPr>
-          <a:lstStyle/>
-          <a:p>
-            <a:r>
-              <a:rPr lang="en-US" dirty="0" smtClean="0"/>
-              <a:t>Put your file name here</a:t>
-            </a:r>
-            <a:endParaRPr lang="en-US" dirty="0"/>
-          </a:p>
-        </p:txBody>
-      </p:sp>
-      <p:sp>
-        <p:nvSpPr>
-          <p:cNvPr id="8" name="TextBox 7"/>
-          <p:cNvSpPr txBox="1"/>
-          <p:nvPr/>
-        </p:nvSpPr>
-        <p:spPr>
-          <a:xfrm>
-            <a:off x="2899022" y="3369137"/>
-            <a:ext cx="2015511" cy="369332"/>
-          </a:xfrm>
-          <a:prstGeom prst="rect">
-            <a:avLst/>
-          </a:prstGeom>
-          <a:noFill/>
-        </p:spPr>
-        <p:txBody>
-          <a:bodyPr wrap="square" rtlCol="0">
-            <a:spAutoFit/>
-          </a:bodyPr>
-          <a:lstStyle/>
-          <a:p>
-            <a:r>
-              <a:rPr lang="en-US" dirty="0" smtClean="0"/>
-              <a:t>Start editing here</a:t>
-            </a:r>
-            <a:endParaRPr lang="en-US" dirty="0"/>
-          </a:p>
-        </p:txBody>
-      </p:sp>
-      <p:sp>
-        <p:nvSpPr>
-          <p:cNvPr id="9" name="Rounded Rectangular Callout 8"/>
-          <p:cNvSpPr/>
-          <p:nvPr/>
-        </p:nvSpPr>
-        <p:spPr>
-          <a:xfrm>
-            <a:off x="2070730" y="2665044"/>
-            <a:ext cx="2843803" cy="924984"/>
-          </a:xfrm>
-          <a:prstGeom prst="wedgeRoundRectCallout">
-            <a:avLst>
-              <a:gd name="adj1" fmla="val -61610"/>
-              <a:gd name="adj2" fmla="val -56903"/>
-              <a:gd name="adj3" fmla="val 16667"/>
-            </a:avLst>
-          </a:prstGeom>
-        </p:spPr>
-        <p:style>
-          <a:lnRef idx="2">
-            <a:schemeClr val="dk1"/>
-          </a:lnRef>
-          <a:fillRef idx="1">
-            <a:schemeClr val="lt1"/>
-          </a:fillRef>
-          <a:effectRef idx="0">
-            <a:schemeClr val="dk1"/>
-          </a:effectRef>
-          <a:fontRef idx="minor">
-            <a:schemeClr val="dk1"/>
-          </a:fontRef>
-        </p:style>
-        <p:txBody>
-          <a:bodyPr rtlCol="0" anchor="ctr"/>
-          <a:lstStyle/>
-          <a:p>
-            <a:pPr algn="ctr"/>
-            <a:endParaRPr lang="en-US"/>
-          </a:p>
-        </p:txBody>
-      </p:sp>
-      <p:sp>
-        <p:nvSpPr>
-          <p:cNvPr id="10" name="TextBox 9"/>
-          <p:cNvSpPr txBox="1"/>
-          <p:nvPr/>
-        </p:nvSpPr>
-        <p:spPr>
-          <a:xfrm>
-            <a:off x="2263998" y="2913547"/>
-            <a:ext cx="2429657" cy="369332"/>
-          </a:xfrm>
-          <a:prstGeom prst="rect">
-            <a:avLst/>
-          </a:prstGeom>
-          <a:noFill/>
-        </p:spPr>
-        <p:txBody>
-          <a:bodyPr wrap="square" rtlCol="0">
-            <a:spAutoFit/>
-          </a:bodyPr>
-          <a:lstStyle/>
-          <a:p>
-            <a:r>
-              <a:rPr lang="en-US" dirty="0" smtClean="0"/>
-              <a:t>Enter your title here</a:t>
-            </a:r>
-            <a:endParaRPr lang="en-US" dirty="0"/>
-          </a:p>
-        </p:txBody>
-      </p:sp>
-    </p:spTree>
-    <p:extLst>
-      <p:ext uri="{BB962C8B-B14F-4D97-AF65-F5344CB8AC3E}">
-        <p14:creationId xmlns:p14="http://schemas.microsoft.com/office/powerpoint/2010/main" val="297775267"/>
-      </p:ext>
-    </p:extLst>
-  </p:cSld>
-  <p:clrMapOvr>
-    <a:masterClrMapping/>
-  </p:clrMapOvr>
-  <p:timing>
-    <p:tnLst>
-      <p:par>
-        <p:cTn xmlns:p14="http://schemas.microsoft.com/office/powerpoint/2010/main" id="1" dur="indefinite" restart="never" nodeType="tmRoot"/>
-      </p:par>
-    </p:tnLst>
-  </p:timing>
-</p:sld>
-</file>
-
-<file path=ppt/slides/slide6.xml><?xml version="1.0" encoding="utf-8"?>
-<p:sld xmlns:a="http://schemas.openxmlformats.org/drawingml/2006/main" xmlns:r="http://schemas.openxmlformats.org/officeDocument/2006/relationships" xmlns:p="http://schemas.openxmlformats.org/presentationml/2006/main">
-  <p:cSld>
-    <p:spTree>
-      <p:nvGrpSpPr>
-        <p:cNvPr id="1" name=""/>
-        <p:cNvGrpSpPr/>
-        <p:nvPr/>
-      </p:nvGrpSpPr>
-      <p:grpSpPr>
-        <a:xfrm>
-          <a:off x="0" y="0"/>
-          <a:ext cx="0" cy="0"/>
-          <a:chOff x="0" y="0"/>
-          <a:chExt cx="0" cy="0"/>
-        </a:xfrm>
-      </p:grpSpPr>
-      <p:pic>
-        <p:nvPicPr>
-          <p:cNvPr id="5" name="Picture 4" descr="Screen Shot 2013-02-01 at 5.21.34 PM.png"/>
-          <p:cNvPicPr>
-            <a:picLocks noChangeAspect="1"/>
-          </p:cNvPicPr>
-          <p:nvPr/>
-        </p:nvPicPr>
-        <p:blipFill>
-          <a:blip r:embed="rId2">
-            <a:extLst>
-              <a:ext uri="{28A0092B-C50C-407E-A947-70E740481C1C}">
-                <a14:useLocalDpi xmlns:a14="http://schemas.microsoft.com/office/drawing/2010/main" val="0"/>
-              </a:ext>
-            </a:extLst>
-          </a:blip>
-          <a:stretch>
-            <a:fillRect/>
-          </a:stretch>
-        </p:blipFill>
-        <p:spPr>
-          <a:xfrm>
-            <a:off x="0" y="228600"/>
-            <a:ext cx="9144000" cy="6380196"/>
-          </a:xfrm>
-          <a:prstGeom prst="rect">
-            <a:avLst/>
-          </a:prstGeom>
-        </p:spPr>
-      </p:pic>
-      <p:sp>
-        <p:nvSpPr>
           <p:cNvPr id="6" name="Rounded Rectangular Callout 5"/>
           <p:cNvSpPr/>
           <p:nvPr/>
         </p:nvSpPr>
         <p:spPr>
           <a:xfrm>
-            <a:off x="5121606" y="4569700"/>
+            <a:off x="4951860" y="4141722"/>
             <a:ext cx="2181170" cy="855956"/>
           </a:xfrm>
           <a:prstGeom prst="wedgeRoundRectCallout">
@@ -3921,7 +3823,7 @@
         </p:nvSpPr>
         <p:spPr>
           <a:xfrm>
-            <a:off x="5328680" y="4749172"/>
+            <a:off x="5158934" y="4321194"/>
             <a:ext cx="1804350" cy="523220"/>
           </a:xfrm>
           <a:prstGeom prst="rect">
@@ -3963,7 +3865,7 @@
 </p:sld>
 </file>
 
-<file path=ppt/slides/slide7.xml><?xml version="1.0" encoding="utf-8"?>
+<file path=ppt/slides/slide6.xml><?xml version="1.0" encoding="utf-8"?>
 <p:sld xmlns:a="http://schemas.openxmlformats.org/drawingml/2006/main" xmlns:r="http://schemas.openxmlformats.org/officeDocument/2006/relationships" xmlns:p="http://schemas.openxmlformats.org/presentationml/2006/main">
   <p:cSld>
     <p:spTree>
@@ -4092,6 +3994,13 @@
   <p:clrMapOvr>
     <a:masterClrMapping/>
   </p:clrMapOvr>
+  <p:timing>
+    <p:tnLst>
+      <p:par>
+        <p:cTn xmlns:p14="http://schemas.microsoft.com/office/powerpoint/2010/main" id="1" dur="indefinite" restart="never" nodeType="tmRoot"/>
+      </p:par>
+    </p:tnLst>
+  </p:timing>
 </p:sld>
 </file>
 
